--- a/presentation/HelloLecture.pptx
+++ b/presentation/HelloLecture.pptx
@@ -5,17 +5,15 @@
     <p:sldMasterId id="2147483677" r:id="rId1"/>
   </p:sldMasterIdLst>
   <p:notesMasterIdLst>
-    <p:notesMasterId r:id="rId10"/>
+    <p:notesMasterId r:id="rId8"/>
   </p:notesMasterIdLst>
   <p:sldIdLst>
     <p:sldId id="256" r:id="rId2"/>
     <p:sldId id="257" r:id="rId3"/>
-    <p:sldId id="258" r:id="rId4"/>
-    <p:sldId id="263" r:id="rId5"/>
-    <p:sldId id="259" r:id="rId6"/>
-    <p:sldId id="261" r:id="rId7"/>
-    <p:sldId id="262" r:id="rId8"/>
-    <p:sldId id="260" r:id="rId9"/>
+    <p:sldId id="259" r:id="rId4"/>
+    <p:sldId id="261" r:id="rId5"/>
+    <p:sldId id="262" r:id="rId6"/>
+    <p:sldId id="260" r:id="rId7"/>
   </p:sldIdLst>
   <p:sldSz cx="12192000" cy="6858000"/>
   <p:notesSz cx="6858000" cy="9144000"/>
@@ -3256,6 +3254,7 @@
         <a:bodyPr/>
         <a:lstStyle/>
         <a:p>
+          <a:pPr algn="ctr"/>
           <a:r>
             <a:rPr lang="de-DE" dirty="0"/>
             <a:t>Dozent</a:t>
@@ -3292,6 +3291,7 @@
         <a:bodyPr/>
         <a:lstStyle/>
         <a:p>
+          <a:pPr algn="ctr"/>
           <a:r>
             <a:rPr lang="de-DE" dirty="0"/>
             <a:t>Studenten</a:t>
@@ -3321,6 +3321,80 @@
         </a:p>
       </dgm:t>
     </dgm:pt>
+    <dgm:pt modelId="{E941EA1E-2B87-440B-ACDC-3274D349DF5D}">
+      <dgm:prSet/>
+      <dgm:spPr/>
+      <dgm:t>
+        <a:bodyPr/>
+        <a:lstStyle/>
+        <a:p>
+          <a:pPr algn="ctr"/>
+          <a:r>
+            <a:rPr lang="de-DE" dirty="0"/>
+            <a:t>Erreicht mehr Studenten</a:t>
+          </a:r>
+        </a:p>
+      </dgm:t>
+    </dgm:pt>
+    <dgm:pt modelId="{7E998373-407D-4322-B4F2-6A59A7F67C44}" type="parTrans" cxnId="{2DD31A65-C6CE-418E-BE63-A38A5E904579}">
+      <dgm:prSet/>
+      <dgm:spPr/>
+      <dgm:t>
+        <a:bodyPr/>
+        <a:lstStyle/>
+        <a:p>
+          <a:endParaRPr lang="de-DE"/>
+        </a:p>
+      </dgm:t>
+    </dgm:pt>
+    <dgm:pt modelId="{6DB442AD-AEC0-4244-AC0F-E724A12F5EA1}" type="sibTrans" cxnId="{2DD31A65-C6CE-418E-BE63-A38A5E904579}">
+      <dgm:prSet/>
+      <dgm:spPr/>
+      <dgm:t>
+        <a:bodyPr/>
+        <a:lstStyle/>
+        <a:p>
+          <a:endParaRPr lang="de-DE"/>
+        </a:p>
+      </dgm:t>
+    </dgm:pt>
+    <dgm:pt modelId="{9CE70A55-9C19-40F3-9865-51CF1C025493}">
+      <dgm:prSet/>
+      <dgm:spPr/>
+      <dgm:t>
+        <a:bodyPr/>
+        <a:lstStyle/>
+        <a:p>
+          <a:pPr algn="ctr"/>
+          <a:r>
+            <a:rPr lang="de-DE" dirty="0"/>
+            <a:t>Haben einen größeren Lernerfolg</a:t>
+          </a:r>
+        </a:p>
+      </dgm:t>
+    </dgm:pt>
+    <dgm:pt modelId="{1F6B370F-3ABE-47F4-A74E-33993F65A086}" type="parTrans" cxnId="{8FF99851-895C-45EE-B9E4-7050ADB2C856}">
+      <dgm:prSet/>
+      <dgm:spPr/>
+      <dgm:t>
+        <a:bodyPr/>
+        <a:lstStyle/>
+        <a:p>
+          <a:endParaRPr lang="de-DE"/>
+        </a:p>
+      </dgm:t>
+    </dgm:pt>
+    <dgm:pt modelId="{CC9ABFE8-9345-48F0-845C-B59E8DE8F9CC}" type="sibTrans" cxnId="{8FF99851-895C-45EE-B9E4-7050ADB2C856}">
+      <dgm:prSet/>
+      <dgm:spPr/>
+      <dgm:t>
+        <a:bodyPr/>
+        <a:lstStyle/>
+        <a:p>
+          <a:endParaRPr lang="de-DE"/>
+        </a:p>
+      </dgm:t>
+    </dgm:pt>
     <dgm:pt modelId="{EBD86FC3-ADCB-4FFB-B41E-4BEA903B9A32}" type="pres">
       <dgm:prSet presAssocID="{39688487-F66C-411D-ABBD-F0D9AB870F9D}" presName="Name0" presStyleCnt="0">
         <dgm:presLayoutVars>
@@ -3340,7 +3414,7 @@
       <dgm:spPr/>
     </dgm:pt>
     <dgm:pt modelId="{4E993948-EAB9-4CC2-81A1-87883EAF9462}" type="pres">
-      <dgm:prSet presAssocID="{39688487-F66C-411D-ABBD-F0D9AB870F9D}" presName="LeftNode" presStyleLbl="bgImgPlace1" presStyleIdx="0" presStyleCnt="2">
+      <dgm:prSet presAssocID="{39688487-F66C-411D-ABBD-F0D9AB870F9D}" presName="LeftNode" presStyleLbl="bgImgPlace1" presStyleIdx="0" presStyleCnt="2" custScaleX="264765" custLinFactNeighborX="-77519">
         <dgm:presLayoutVars>
           <dgm:chMax val="2"/>
           <dgm:chPref val="2"/>
@@ -3357,7 +3431,7 @@
       <dgm:spPr/>
     </dgm:pt>
     <dgm:pt modelId="{ECA50D5A-2752-474A-91B6-6EED373592FE}" type="pres">
-      <dgm:prSet presAssocID="{39688487-F66C-411D-ABBD-F0D9AB870F9D}" presName="RightNode" presStyleLbl="bgImgPlace1" presStyleIdx="1" presStyleCnt="2">
+      <dgm:prSet presAssocID="{39688487-F66C-411D-ABBD-F0D9AB870F9D}" presName="RightNode" presStyleLbl="bgImgPlace1" presStyleIdx="1" presStyleCnt="2" custScaleX="275228" custLinFactNeighborX="87936" custLinFactNeighborY="-485">
         <dgm:presLayoutVars>
           <dgm:chMax val="0"/>
           <dgm:chPref val="0"/>
@@ -3375,12 +3449,18 @@
     </dgm:pt>
   </dgm:ptLst>
   <dgm:cxnLst>
+    <dgm:cxn modelId="{48D1C521-139F-4EE1-B280-A7876708C219}" type="presOf" srcId="{E941EA1E-2B87-440B-ACDC-3274D349DF5D}" destId="{4E993948-EAB9-4CC2-81A1-87883EAF9462}" srcOrd="1" destOrd="1" presId="urn:microsoft.com/office/officeart/2009/layout/ReverseList"/>
+    <dgm:cxn modelId="{E174E025-A36D-49EC-AA6C-010D36C7BAF1}" type="presOf" srcId="{E941EA1E-2B87-440B-ACDC-3274D349DF5D}" destId="{DB5F749F-8D35-40F8-B942-A8449C66BDE4}" srcOrd="0" destOrd="1" presId="urn:microsoft.com/office/officeart/2009/layout/ReverseList"/>
+    <dgm:cxn modelId="{2DD31A65-C6CE-418E-BE63-A38A5E904579}" srcId="{746EB0C4-AD51-4230-8ACF-47B6C2CC16E8}" destId="{E941EA1E-2B87-440B-ACDC-3274D349DF5D}" srcOrd="0" destOrd="0" parTransId="{7E998373-407D-4322-B4F2-6A59A7F67C44}" sibTransId="{6DB442AD-AEC0-4244-AC0F-E724A12F5EA1}"/>
     <dgm:cxn modelId="{D21F546B-AAB2-480B-87A1-A68EA1A2B60F}" type="presOf" srcId="{EFDBD85F-EF07-46E6-AFC1-A0CFF68ED476}" destId="{ECA50D5A-2752-474A-91B6-6EED373592FE}" srcOrd="1" destOrd="0" presId="urn:microsoft.com/office/officeart/2009/layout/ReverseList"/>
     <dgm:cxn modelId="{E3B7856C-84CF-4DD1-8BCD-C02FA6B35518}" srcId="{39688487-F66C-411D-ABBD-F0D9AB870F9D}" destId="{746EB0C4-AD51-4230-8ACF-47B6C2CC16E8}" srcOrd="0" destOrd="0" parTransId="{CD145BD8-F129-4DE9-BBB9-E6ADBE6AE0EA}" sibTransId="{B776C358-C0FA-4F7C-8433-DCD8DE916D01}"/>
+    <dgm:cxn modelId="{8FF99851-895C-45EE-B9E4-7050ADB2C856}" srcId="{EFDBD85F-EF07-46E6-AFC1-A0CFF68ED476}" destId="{9CE70A55-9C19-40F3-9865-51CF1C025493}" srcOrd="0" destOrd="0" parTransId="{1F6B370F-3ABE-47F4-A74E-33993F65A086}" sibTransId="{CC9ABFE8-9345-48F0-845C-B59E8DE8F9CC}"/>
     <dgm:cxn modelId="{33A04E53-6F46-4E4F-8D40-F3CDEAE24AE2}" type="presOf" srcId="{EFDBD85F-EF07-46E6-AFC1-A0CFF68ED476}" destId="{2073D1F6-CF6F-44DF-8722-57C8B152DCAF}" srcOrd="0" destOrd="0" presId="urn:microsoft.com/office/officeart/2009/layout/ReverseList"/>
     <dgm:cxn modelId="{F7A8138C-CB94-42DC-8C34-BB191358DAB0}" type="presOf" srcId="{746EB0C4-AD51-4230-8ACF-47B6C2CC16E8}" destId="{4E993948-EAB9-4CC2-81A1-87883EAF9462}" srcOrd="1" destOrd="0" presId="urn:microsoft.com/office/officeart/2009/layout/ReverseList"/>
+    <dgm:cxn modelId="{495C4794-041C-4841-AEA9-4FB579895C9B}" type="presOf" srcId="{9CE70A55-9C19-40F3-9865-51CF1C025493}" destId="{2073D1F6-CF6F-44DF-8722-57C8B152DCAF}" srcOrd="0" destOrd="1" presId="urn:microsoft.com/office/officeart/2009/layout/ReverseList"/>
     <dgm:cxn modelId="{B8592595-F31E-4A87-ACAF-856C25EE5F8F}" type="presOf" srcId="{746EB0C4-AD51-4230-8ACF-47B6C2CC16E8}" destId="{DB5F749F-8D35-40F8-B942-A8449C66BDE4}" srcOrd="0" destOrd="0" presId="urn:microsoft.com/office/officeart/2009/layout/ReverseList"/>
     <dgm:cxn modelId="{8DA66EB5-34E4-461E-B13C-51417483B511}" srcId="{39688487-F66C-411D-ABBD-F0D9AB870F9D}" destId="{EFDBD85F-EF07-46E6-AFC1-A0CFF68ED476}" srcOrd="1" destOrd="0" parTransId="{66D3ED87-8319-4EC1-B957-C9E70AA6AC63}" sibTransId="{84C2B367-F2B2-4CF8-8094-767201CC2FF4}"/>
+    <dgm:cxn modelId="{DF58BCE6-5DA6-4AFB-8A5C-39416D3FBA08}" type="presOf" srcId="{9CE70A55-9C19-40F3-9865-51CF1C025493}" destId="{ECA50D5A-2752-474A-91B6-6EED373592FE}" srcOrd="1" destOrd="1" presId="urn:microsoft.com/office/officeart/2009/layout/ReverseList"/>
     <dgm:cxn modelId="{8E55C0F8-0A2B-4C7A-A946-65812D391C7C}" type="presOf" srcId="{39688487-F66C-411D-ABBD-F0D9AB870F9D}" destId="{EBD86FC3-ADCB-4FFB-B41E-4BEA903B9A32}" srcOrd="0" destOrd="0" presId="urn:microsoft.com/office/officeart/2009/layout/ReverseList"/>
     <dgm:cxn modelId="{5DE74AA2-C983-4877-88BA-9E028B048FD3}" type="presParOf" srcId="{EBD86FC3-ADCB-4FFB-B41E-4BEA903B9A32}" destId="{DB5F749F-8D35-40F8-B942-A8449C66BDE4}" srcOrd="0" destOrd="0" presId="urn:microsoft.com/office/officeart/2009/layout/ReverseList"/>
     <dgm:cxn modelId="{74B42316-B683-4380-A49C-AD111BA210E7}" type="presParOf" srcId="{EBD86FC3-ADCB-4FFB-B41E-4BEA903B9A32}" destId="{4E993948-EAB9-4CC2-81A1-87883EAF9462}" srcOrd="1" destOrd="0" presId="urn:microsoft.com/office/officeart/2009/layout/ReverseList"/>
@@ -4863,8 +4943,8 @@
       </dsp:nvSpPr>
       <dsp:spPr>
         <a:xfrm rot="16200000">
-          <a:off x="2253376" y="1178443"/>
-          <a:ext cx="2495375" cy="1524939"/>
+          <a:off x="1031370" y="-77839"/>
+          <a:ext cx="2495375" cy="4037505"/>
         </a:xfrm>
         <a:prstGeom prst="round2SameRect">
           <a:avLst>
@@ -4907,12 +4987,12 @@
         <a:fontRef idx="minor"/>
       </dsp:style>
       <dsp:txBody>
-        <a:bodyPr spcFirstLastPara="0" vert="horz" wrap="square" lIns="80010" tIns="133350" rIns="120015" bIns="133350" numCol="1" spcCol="1270" anchor="t" anchorCtr="0">
+        <a:bodyPr spcFirstLastPara="0" vert="horz" wrap="square" lIns="148590" tIns="247650" rIns="222885" bIns="247650" numCol="1" spcCol="1270" anchor="t" anchorCtr="0">
           <a:noAutofit/>
         </a:bodyPr>
         <a:lstStyle/>
         <a:p>
-          <a:pPr marL="0" lvl="0" indent="0" algn="l" defTabSz="933450">
+          <a:pPr marL="0" lvl="0" indent="0" algn="ctr" defTabSz="1733550">
             <a:lnSpc>
               <a:spcPct val="90000"/>
             </a:lnSpc>
@@ -4925,14 +5005,32 @@
             <a:buNone/>
           </a:pPr>
           <a:r>
-            <a:rPr lang="de-DE" sz="2100" kern="1200" dirty="0"/>
+            <a:rPr lang="de-DE" sz="3900" kern="1200" dirty="0"/>
             <a:t>Dozent</a:t>
+          </a:r>
+        </a:p>
+        <a:p>
+          <a:pPr marL="285750" lvl="1" indent="-285750" algn="ctr" defTabSz="1333500">
+            <a:lnSpc>
+              <a:spcPct val="90000"/>
+            </a:lnSpc>
+            <a:spcBef>
+              <a:spcPct val="0"/>
+            </a:spcBef>
+            <a:spcAft>
+              <a:spcPct val="15000"/>
+            </a:spcAft>
+            <a:buChar char="•"/>
+          </a:pPr>
+          <a:r>
+            <a:rPr lang="de-DE" sz="3000" kern="1200" dirty="0"/>
+            <a:t>Erreicht mehr Studenten</a:t>
           </a:r>
         </a:p>
       </dsp:txBody>
       <dsp:txXfrm rot="5400000">
-        <a:off x="2813049" y="767681"/>
-        <a:ext cx="1450484" cy="2346465"/>
+        <a:off x="382141" y="815062"/>
+        <a:ext cx="3915669" cy="2251703"/>
       </dsp:txXfrm>
     </dsp:sp>
     <dsp:sp modelId="{ECA50D5A-2752-474A-91B6-6EED373592FE}">
@@ -4942,8 +5040,8 @@
       </dsp:nvSpPr>
       <dsp:spPr>
         <a:xfrm rot="5400000">
-          <a:off x="3847559" y="1178443"/>
-          <a:ext cx="2495375" cy="1524939"/>
+          <a:off x="5148641" y="-169719"/>
+          <a:ext cx="2495375" cy="4197059"/>
         </a:xfrm>
         <a:prstGeom prst="round2SameRect">
           <a:avLst>
@@ -4986,12 +5084,12 @@
         <a:fontRef idx="minor"/>
       </dsp:style>
       <dsp:txBody>
-        <a:bodyPr spcFirstLastPara="0" vert="horz" wrap="square" lIns="120015" tIns="133350" rIns="80010" bIns="133350" numCol="1" spcCol="1270" anchor="t" anchorCtr="0">
+        <a:bodyPr spcFirstLastPara="0" vert="horz" wrap="square" lIns="217170" tIns="241300" rIns="144780" bIns="241300" numCol="1" spcCol="1270" anchor="t" anchorCtr="0">
           <a:noAutofit/>
         </a:bodyPr>
         <a:lstStyle/>
         <a:p>
-          <a:pPr marL="0" lvl="0" indent="0" algn="l" defTabSz="933450">
+          <a:pPr marL="0" lvl="0" indent="0" algn="ctr" defTabSz="1689100">
             <a:lnSpc>
               <a:spcPct val="90000"/>
             </a:lnSpc>
@@ -5004,14 +5102,32 @@
             <a:buNone/>
           </a:pPr>
           <a:r>
-            <a:rPr lang="de-DE" sz="2100" kern="1200" dirty="0"/>
+            <a:rPr lang="de-DE" sz="3800" kern="1200" dirty="0"/>
             <a:t>Studenten</a:t>
+          </a:r>
+        </a:p>
+        <a:p>
+          <a:pPr marL="285750" lvl="1" indent="-285750" algn="ctr" defTabSz="1333500">
+            <a:lnSpc>
+              <a:spcPct val="90000"/>
+            </a:lnSpc>
+            <a:spcBef>
+              <a:spcPct val="0"/>
+            </a:spcBef>
+            <a:spcAft>
+              <a:spcPct val="15000"/>
+            </a:spcAft>
+            <a:buChar char="•"/>
+          </a:pPr>
+          <a:r>
+            <a:rPr lang="de-DE" sz="3000" kern="1200" dirty="0"/>
+            <a:t>Haben einen größeren Lernerfolg</a:t>
           </a:r>
         </a:p>
       </dsp:txBody>
       <dsp:txXfrm rot="-5400000">
-        <a:off x="4332777" y="767681"/>
-        <a:ext cx="1450484" cy="2346465"/>
+        <a:off x="4297799" y="802959"/>
+        <a:ext cx="4075223" cy="2251703"/>
       </dsp:txXfrm>
     </dsp:sp>
     <dsp:sp modelId="{0766475E-FE61-4726-A0BD-CFB6721E8FBB}">
@@ -5021,7 +5137,7 @@
       </dsp:nvSpPr>
       <dsp:spPr>
         <a:xfrm>
-          <a:off x="3500908" y="0"/>
+          <a:off x="3461019" y="0"/>
           <a:ext cx="1594183" cy="1594106"/>
         </a:xfrm>
         <a:prstGeom prst="circularArrow">
@@ -5077,7 +5193,7 @@
       </dsp:nvSpPr>
       <dsp:spPr>
         <a:xfrm rot="10800000">
-          <a:off x="3500908" y="2287330"/>
+          <a:off x="3461019" y="2287330"/>
           <a:ext cx="1594183" cy="1594106"/>
         </a:xfrm>
         <a:prstGeom prst="circularArrow">
@@ -11645,7 +11761,7 @@
           <a:p>
             <a:fld id="{FA6F4E45-6749-4505-8764-36B0CC7D8B9B}" type="datetimeFigureOut">
               <a:rPr lang="de-DE" smtClean="0"/>
-              <a:t>24.01.2018</a:t>
+              <a:t>29.01.2018</a:t>
             </a:fld>
             <a:endParaRPr lang="de-DE"/>
           </a:p>
@@ -11990,99 +12106,6 @@
     <p:extLst>
       <p:ext uri="{BB962C8B-B14F-4D97-AF65-F5344CB8AC3E}">
         <p14:creationId xmlns:p14="http://schemas.microsoft.com/office/powerpoint/2010/main" val="3084908704"/>
-      </p:ext>
-    </p:extLst>
-  </p:cSld>
-  <p:clrMapOvr>
-    <a:masterClrMapping/>
-  </p:clrMapOvr>
-</p:notes>
-</file>
-
-<file path=ppt/notesSlides/notesSlide2.xml><?xml version="1.0" encoding="utf-8"?>
-<p:notes xmlns:a="http://schemas.openxmlformats.org/drawingml/2006/main" xmlns:r="http://schemas.openxmlformats.org/officeDocument/2006/relationships" xmlns:p="http://schemas.openxmlformats.org/presentationml/2006/main">
-  <p:cSld>
-    <p:spTree>
-      <p:nvGrpSpPr>
-        <p:cNvPr id="1" name=""/>
-        <p:cNvGrpSpPr/>
-        <p:nvPr/>
-      </p:nvGrpSpPr>
-      <p:grpSpPr>
-        <a:xfrm>
-          <a:off x="0" y="0"/>
-          <a:ext cx="0" cy="0"/>
-          <a:chOff x="0" y="0"/>
-          <a:chExt cx="0" cy="0"/>
-        </a:xfrm>
-      </p:grpSpPr>
-      <p:sp>
-        <p:nvSpPr>
-          <p:cNvPr id="2" name="Folienbildplatzhalter 1"/>
-          <p:cNvSpPr>
-            <a:spLocks noGrp="1" noRot="1" noChangeAspect="1"/>
-          </p:cNvSpPr>
-          <p:nvPr>
-            <p:ph type="sldImg"/>
-          </p:nvPr>
-        </p:nvSpPr>
-        <p:spPr/>
-      </p:sp>
-      <p:sp>
-        <p:nvSpPr>
-          <p:cNvPr id="3" name="Notizenplatzhalter 2"/>
-          <p:cNvSpPr>
-            <a:spLocks noGrp="1"/>
-          </p:cNvSpPr>
-          <p:nvPr>
-            <p:ph type="body" idx="1"/>
-          </p:nvPr>
-        </p:nvSpPr>
-        <p:spPr/>
-        <p:txBody>
-          <a:bodyPr/>
-          <a:lstStyle/>
-          <a:p>
-            <a:r>
-              <a:rPr lang="de-DE" dirty="0"/>
-              <a:t>Variante 2</a:t>
-            </a:r>
-          </a:p>
-          <a:p>
-            <a:r>
-              <a:rPr lang="de-DE" dirty="0"/>
-              <a:t>So eine Grafik fände ich eigentlich noch besser, aber leider habe ich keine passende SmartArt dafür gefunden</a:t>
-            </a:r>
-          </a:p>
-        </p:txBody>
-      </p:sp>
-      <p:sp>
-        <p:nvSpPr>
-          <p:cNvPr id="4" name="Foliennummernplatzhalter 3"/>
-          <p:cNvSpPr>
-            <a:spLocks noGrp="1"/>
-          </p:cNvSpPr>
-          <p:nvPr>
-            <p:ph type="sldNum" sz="quarter" idx="10"/>
-          </p:nvPr>
-        </p:nvSpPr>
-        <p:spPr/>
-        <p:txBody>
-          <a:bodyPr/>
-          <a:lstStyle/>
-          <a:p>
-            <a:fld id="{6243D3E1-7FDD-4042-B122-49ADA28647CD}" type="slidenum">
-              <a:rPr lang="de-DE" smtClean="0"/>
-              <a:t>3</a:t>
-            </a:fld>
-            <a:endParaRPr lang="de-DE"/>
-          </a:p>
-        </p:txBody>
-      </p:sp>
-    </p:spTree>
-    <p:extLst>
-      <p:ext uri="{BB962C8B-B14F-4D97-AF65-F5344CB8AC3E}">
-        <p14:creationId xmlns:p14="http://schemas.microsoft.com/office/powerpoint/2010/main" val="2349927277"/>
       </p:ext>
     </p:extLst>
   </p:cSld>
@@ -12837,7 +12860,7 @@
           <a:p>
             <a:fld id="{9CA1BA51-37CD-46F4-954E-67929231AE2D}" type="datetimeFigureOut">
               <a:rPr lang="de-DE" smtClean="0"/>
-              <a:t>24.01.2018</a:t>
+              <a:t>29.01.2018</a:t>
             </a:fld>
             <a:endParaRPr lang="de-DE"/>
           </a:p>
@@ -13088,7 +13111,7 @@
           <a:p>
             <a:fld id="{9CA1BA51-37CD-46F4-954E-67929231AE2D}" type="datetimeFigureOut">
               <a:rPr lang="de-DE" smtClean="0"/>
-              <a:t>24.01.2018</a:t>
+              <a:t>29.01.2018</a:t>
             </a:fld>
             <a:endParaRPr lang="de-DE"/>
           </a:p>
@@ -13402,7 +13425,7 @@
           <a:p>
             <a:fld id="{9CA1BA51-37CD-46F4-954E-67929231AE2D}" type="datetimeFigureOut">
               <a:rPr lang="de-DE" smtClean="0"/>
-              <a:t>24.01.2018</a:t>
+              <a:t>29.01.2018</a:t>
             </a:fld>
             <a:endParaRPr lang="de-DE"/>
           </a:p>
@@ -13735,7 +13758,7 @@
           <a:p>
             <a:fld id="{9CA1BA51-37CD-46F4-954E-67929231AE2D}" type="datetimeFigureOut">
               <a:rPr lang="de-DE" smtClean="0"/>
-              <a:t>24.01.2018</a:t>
+              <a:t>29.01.2018</a:t>
             </a:fld>
             <a:endParaRPr lang="de-DE"/>
           </a:p>
@@ -14049,7 +14072,7 @@
           <a:p>
             <a:fld id="{9CA1BA51-37CD-46F4-954E-67929231AE2D}" type="datetimeFigureOut">
               <a:rPr lang="de-DE" smtClean="0"/>
-              <a:t>24.01.2018</a:t>
+              <a:t>29.01.2018</a:t>
             </a:fld>
             <a:endParaRPr lang="de-DE"/>
           </a:p>
@@ -14442,7 +14465,7 @@
           <a:p>
             <a:fld id="{9CA1BA51-37CD-46F4-954E-67929231AE2D}" type="datetimeFigureOut">
               <a:rPr lang="de-DE" smtClean="0"/>
-              <a:t>24.01.2018</a:t>
+              <a:t>29.01.2018</a:t>
             </a:fld>
             <a:endParaRPr lang="de-DE"/>
           </a:p>
@@ -14612,7 +14635,7 @@
           <a:p>
             <a:fld id="{9CA1BA51-37CD-46F4-954E-67929231AE2D}" type="datetimeFigureOut">
               <a:rPr lang="de-DE" smtClean="0"/>
-              <a:t>24.01.2018</a:t>
+              <a:t>29.01.2018</a:t>
             </a:fld>
             <a:endParaRPr lang="de-DE"/>
           </a:p>
@@ -14792,7 +14815,7 @@
           <a:p>
             <a:fld id="{9CA1BA51-37CD-46F4-954E-67929231AE2D}" type="datetimeFigureOut">
               <a:rPr lang="de-DE" smtClean="0"/>
-              <a:t>24.01.2018</a:t>
+              <a:t>29.01.2018</a:t>
             </a:fld>
             <a:endParaRPr lang="de-DE"/>
           </a:p>
@@ -14962,7 +14985,7 @@
           <a:p>
             <a:fld id="{9CA1BA51-37CD-46F4-954E-67929231AE2D}" type="datetimeFigureOut">
               <a:rPr lang="de-DE" smtClean="0"/>
-              <a:t>24.01.2018</a:t>
+              <a:t>29.01.2018</a:t>
             </a:fld>
             <a:endParaRPr lang="de-DE"/>
           </a:p>
@@ -15209,7 +15232,7 @@
           <a:p>
             <a:fld id="{9CA1BA51-37CD-46F4-954E-67929231AE2D}" type="datetimeFigureOut">
               <a:rPr lang="de-DE" smtClean="0"/>
-              <a:t>24.01.2018</a:t>
+              <a:t>29.01.2018</a:t>
             </a:fld>
             <a:endParaRPr lang="de-DE"/>
           </a:p>
@@ -15441,7 +15464,7 @@
           <a:p>
             <a:fld id="{9CA1BA51-37CD-46F4-954E-67929231AE2D}" type="datetimeFigureOut">
               <a:rPr lang="de-DE" smtClean="0"/>
-              <a:t>24.01.2018</a:t>
+              <a:t>29.01.2018</a:t>
             </a:fld>
             <a:endParaRPr lang="de-DE"/>
           </a:p>
@@ -15815,7 +15838,7 @@
           <a:p>
             <a:fld id="{9CA1BA51-37CD-46F4-954E-67929231AE2D}" type="datetimeFigureOut">
               <a:rPr lang="de-DE" smtClean="0"/>
-              <a:t>24.01.2018</a:t>
+              <a:t>29.01.2018</a:t>
             </a:fld>
             <a:endParaRPr lang="de-DE"/>
           </a:p>
@@ -15938,7 +15961,7 @@
           <a:p>
             <a:fld id="{9CA1BA51-37CD-46F4-954E-67929231AE2D}" type="datetimeFigureOut">
               <a:rPr lang="de-DE" smtClean="0"/>
-              <a:t>24.01.2018</a:t>
+              <a:t>29.01.2018</a:t>
             </a:fld>
             <a:endParaRPr lang="de-DE"/>
           </a:p>
@@ -16033,7 +16056,7 @@
           <a:p>
             <a:fld id="{9CA1BA51-37CD-46F4-954E-67929231AE2D}" type="datetimeFigureOut">
               <a:rPr lang="de-DE" smtClean="0"/>
-              <a:t>24.01.2018</a:t>
+              <a:t>29.01.2018</a:t>
             </a:fld>
             <a:endParaRPr lang="de-DE"/>
           </a:p>
@@ -16288,7 +16311,7 @@
           <a:p>
             <a:fld id="{9CA1BA51-37CD-46F4-954E-67929231AE2D}" type="datetimeFigureOut">
               <a:rPr lang="de-DE" smtClean="0"/>
-              <a:t>24.01.2018</a:t>
+              <a:t>29.01.2018</a:t>
             </a:fld>
             <a:endParaRPr lang="de-DE"/>
           </a:p>
@@ -16593,7 +16616,7 @@
           <a:p>
             <a:fld id="{9CA1BA51-37CD-46F4-954E-67929231AE2D}" type="datetimeFigureOut">
               <a:rPr lang="de-DE" smtClean="0"/>
-              <a:t>24.01.2018</a:t>
+              <a:t>29.01.2018</a:t>
             </a:fld>
             <a:endParaRPr lang="de-DE"/>
           </a:p>
@@ -17295,7 +17318,7 @@
           <a:p>
             <a:fld id="{9CA1BA51-37CD-46F4-954E-67929231AE2D}" type="datetimeFigureOut">
               <a:rPr lang="de-DE" smtClean="0"/>
-              <a:t>24.01.2018</a:t>
+              <a:t>29.01.2018</a:t>
             </a:fld>
             <a:endParaRPr lang="de-DE"/>
           </a:p>
@@ -18038,7 +18061,7 @@
             <p:ph idx="1"/>
             <p:extLst>
               <p:ext uri="{D42A27DB-BD31-4B8C-83A1-F6EECF244321}">
-                <p14:modId xmlns:p14="http://schemas.microsoft.com/office/powerpoint/2010/main" val="1396685527"/>
+                <p14:modId xmlns:p14="http://schemas.microsoft.com/office/powerpoint/2010/main" val="934749857"/>
               </p:ext>
             </p:extLst>
           </p:nvPr>
@@ -18149,501 +18172,6 @@
 </file>
 
 <file path=ppt/slides/slide3.xml><?xml version="1.0" encoding="utf-8"?>
-<p:sld xmlns:a="http://schemas.openxmlformats.org/drawingml/2006/main" xmlns:r="http://schemas.openxmlformats.org/officeDocument/2006/relationships" xmlns:p="http://schemas.openxmlformats.org/presentationml/2006/main">
-  <p:cSld>
-    <p:spTree>
-      <p:nvGrpSpPr>
-        <p:cNvPr id="1" name=""/>
-        <p:cNvGrpSpPr/>
-        <p:nvPr/>
-      </p:nvGrpSpPr>
-      <p:grpSpPr>
-        <a:xfrm>
-          <a:off x="0" y="0"/>
-          <a:ext cx="0" cy="0"/>
-          <a:chOff x="0" y="0"/>
-          <a:chExt cx="0" cy="0"/>
-        </a:xfrm>
-      </p:grpSpPr>
-      <p:sp>
-        <p:nvSpPr>
-          <p:cNvPr id="2" name="Titel 1">
-            <a:extLst>
-              <a:ext uri="{FF2B5EF4-FFF2-40B4-BE49-F238E27FC236}">
-                <a16:creationId xmlns:a16="http://schemas.microsoft.com/office/drawing/2014/main" id="{9A57A363-ED04-4AE0-9A9B-B670D0C000E1}"/>
-              </a:ext>
-            </a:extLst>
-          </p:cNvPr>
-          <p:cNvSpPr>
-            <a:spLocks noGrp="1"/>
-          </p:cNvSpPr>
-          <p:nvPr>
-            <p:ph type="title"/>
-          </p:nvPr>
-        </p:nvSpPr>
-        <p:spPr/>
-        <p:txBody>
-          <a:bodyPr/>
-          <a:lstStyle/>
-          <a:p>
-            <a:r>
-              <a:rPr lang="de-DE" dirty="0"/>
-              <a:t>User </a:t>
-            </a:r>
-            <a:r>
-              <a:rPr lang="de-DE" dirty="0" err="1"/>
-              <a:t>target</a:t>
-            </a:r>
-            <a:r>
-              <a:rPr lang="de-DE" dirty="0"/>
-              <a:t> </a:t>
-            </a:r>
-            <a:r>
-              <a:rPr lang="de-DE" dirty="0" err="1"/>
-              <a:t>group</a:t>
-            </a:r>
-            <a:endParaRPr lang="de-DE" dirty="0"/>
-          </a:p>
-        </p:txBody>
-      </p:sp>
-      <p:sp>
-        <p:nvSpPr>
-          <p:cNvPr id="6" name="Rechteck 5">
-            <a:extLst>
-              <a:ext uri="{FF2B5EF4-FFF2-40B4-BE49-F238E27FC236}">
-                <a16:creationId xmlns:a16="http://schemas.microsoft.com/office/drawing/2014/main" id="{512E8260-37E0-40E9-A49A-D15DBD175CA8}"/>
-              </a:ext>
-            </a:extLst>
-          </p:cNvPr>
-          <p:cNvSpPr/>
-          <p:nvPr/>
-        </p:nvSpPr>
-        <p:spPr>
-          <a:xfrm>
-            <a:off x="1252498" y="2996772"/>
-            <a:ext cx="2358998" cy="2389735"/>
-          </a:xfrm>
-          <a:prstGeom prst="rect">
-            <a:avLst/>
-          </a:prstGeom>
-        </p:spPr>
-        <p:style>
-          <a:lnRef idx="2">
-            <a:schemeClr val="accent1">
-              <a:shade val="50000"/>
-            </a:schemeClr>
-          </a:lnRef>
-          <a:fillRef idx="1">
-            <a:schemeClr val="accent1"/>
-          </a:fillRef>
-          <a:effectRef idx="0">
-            <a:schemeClr val="accent1"/>
-          </a:effectRef>
-          <a:fontRef idx="minor">
-            <a:schemeClr val="lt1"/>
-          </a:fontRef>
-        </p:style>
-        <p:txBody>
-          <a:bodyPr rtlCol="0" anchor="ctr"/>
-          <a:lstStyle/>
-          <a:p>
-            <a:pPr algn="ctr"/>
-            <a:r>
-              <a:rPr lang="de-DE" dirty="0"/>
-              <a:t>Student</a:t>
-            </a:r>
-          </a:p>
-        </p:txBody>
-      </p:sp>
-      <p:sp>
-        <p:nvSpPr>
-          <p:cNvPr id="7" name="Rechteck 6">
-            <a:extLst>
-              <a:ext uri="{FF2B5EF4-FFF2-40B4-BE49-F238E27FC236}">
-                <a16:creationId xmlns:a16="http://schemas.microsoft.com/office/drawing/2014/main" id="{95DBD012-9F09-4CE0-A4D3-ABE8C7CFBBB4}"/>
-              </a:ext>
-            </a:extLst>
-          </p:cNvPr>
-          <p:cNvSpPr/>
-          <p:nvPr/>
-        </p:nvSpPr>
-        <p:spPr>
-          <a:xfrm>
-            <a:off x="6096000" y="2996772"/>
-            <a:ext cx="2358998" cy="2389735"/>
-          </a:xfrm>
-          <a:prstGeom prst="rect">
-            <a:avLst/>
-          </a:prstGeom>
-        </p:spPr>
-        <p:style>
-          <a:lnRef idx="2">
-            <a:schemeClr val="accent1">
-              <a:shade val="50000"/>
-            </a:schemeClr>
-          </a:lnRef>
-          <a:fillRef idx="1">
-            <a:schemeClr val="accent1"/>
-          </a:fillRef>
-          <a:effectRef idx="0">
-            <a:schemeClr val="accent1"/>
-          </a:effectRef>
-          <a:fontRef idx="minor">
-            <a:schemeClr val="lt1"/>
-          </a:fontRef>
-        </p:style>
-        <p:txBody>
-          <a:bodyPr rtlCol="0" anchor="ctr"/>
-          <a:lstStyle/>
-          <a:p>
-            <a:pPr algn="ctr"/>
-            <a:r>
-              <a:rPr lang="de-DE" dirty="0"/>
-              <a:t>Dozent</a:t>
-            </a:r>
-          </a:p>
-        </p:txBody>
-      </p:sp>
-      <p:cxnSp>
-        <p:nvCxnSpPr>
-          <p:cNvPr id="9" name="Gerade Verbindung mit Pfeil 8">
-            <a:extLst>
-              <a:ext uri="{FF2B5EF4-FFF2-40B4-BE49-F238E27FC236}">
-                <a16:creationId xmlns:a16="http://schemas.microsoft.com/office/drawing/2014/main" id="{868B1FE4-02D5-4A21-8288-904681D02117}"/>
-              </a:ext>
-            </a:extLst>
-          </p:cNvPr>
-          <p:cNvCxnSpPr/>
-          <p:nvPr/>
-        </p:nvCxnSpPr>
-        <p:spPr>
-          <a:xfrm>
-            <a:off x="3719072" y="2996772"/>
-            <a:ext cx="2213002" cy="0"/>
-          </a:xfrm>
-          <a:prstGeom prst="straightConnector1">
-            <a:avLst/>
-          </a:prstGeom>
-          <a:ln>
-            <a:tailEnd type="triangle"/>
-          </a:ln>
-        </p:spPr>
-        <p:style>
-          <a:lnRef idx="1">
-            <a:schemeClr val="accent1"/>
-          </a:lnRef>
-          <a:fillRef idx="0">
-            <a:schemeClr val="accent1"/>
-          </a:fillRef>
-          <a:effectRef idx="0">
-            <a:schemeClr val="accent1"/>
-          </a:effectRef>
-          <a:fontRef idx="minor">
-            <a:schemeClr val="tx1"/>
-          </a:fontRef>
-        </p:style>
-      </p:cxnSp>
-      <p:cxnSp>
-        <p:nvCxnSpPr>
-          <p:cNvPr id="10" name="Gerade Verbindung mit Pfeil 9">
-            <a:extLst>
-              <a:ext uri="{FF2B5EF4-FFF2-40B4-BE49-F238E27FC236}">
-                <a16:creationId xmlns:a16="http://schemas.microsoft.com/office/drawing/2014/main" id="{9EC39A49-0A36-40E1-9BA0-C7BDE0F04C16}"/>
-              </a:ext>
-            </a:extLst>
-          </p:cNvPr>
-          <p:cNvCxnSpPr/>
-          <p:nvPr/>
-        </p:nvCxnSpPr>
-        <p:spPr>
-          <a:xfrm>
-            <a:off x="3719072" y="5386507"/>
-            <a:ext cx="2213002" cy="0"/>
-          </a:xfrm>
-          <a:prstGeom prst="straightConnector1">
-            <a:avLst/>
-          </a:prstGeom>
-          <a:ln>
-            <a:tailEnd type="triangle"/>
-          </a:ln>
-        </p:spPr>
-        <p:style>
-          <a:lnRef idx="1">
-            <a:schemeClr val="accent1"/>
-          </a:lnRef>
-          <a:fillRef idx="0">
-            <a:schemeClr val="accent1"/>
-          </a:fillRef>
-          <a:effectRef idx="0">
-            <a:schemeClr val="accent1"/>
-          </a:effectRef>
-          <a:fontRef idx="minor">
-            <a:schemeClr val="tx1"/>
-          </a:fontRef>
-        </p:style>
-      </p:cxnSp>
-      <p:cxnSp>
-        <p:nvCxnSpPr>
-          <p:cNvPr id="11" name="Gerade Verbindung mit Pfeil 10">
-            <a:extLst>
-              <a:ext uri="{FF2B5EF4-FFF2-40B4-BE49-F238E27FC236}">
-                <a16:creationId xmlns:a16="http://schemas.microsoft.com/office/drawing/2014/main" id="{29D46A7F-CC50-4A33-AA34-867BD26097DA}"/>
-              </a:ext>
-            </a:extLst>
-          </p:cNvPr>
-          <p:cNvCxnSpPr>
-            <a:cxnSpLocks/>
-          </p:cNvCxnSpPr>
-          <p:nvPr/>
-        </p:nvCxnSpPr>
-        <p:spPr>
-          <a:xfrm flipH="1">
-            <a:off x="3719072" y="3149172"/>
-            <a:ext cx="2213002" cy="0"/>
-          </a:xfrm>
-          <a:prstGeom prst="straightConnector1">
-            <a:avLst/>
-          </a:prstGeom>
-          <a:ln>
-            <a:tailEnd type="triangle"/>
-          </a:ln>
-        </p:spPr>
-        <p:style>
-          <a:lnRef idx="1">
-            <a:schemeClr val="accent1"/>
-          </a:lnRef>
-          <a:fillRef idx="0">
-            <a:schemeClr val="accent1"/>
-          </a:fillRef>
-          <a:effectRef idx="0">
-            <a:schemeClr val="accent1"/>
-          </a:effectRef>
-          <a:fontRef idx="minor">
-            <a:schemeClr val="tx1"/>
-          </a:fontRef>
-        </p:style>
-      </p:cxnSp>
-      <p:cxnSp>
-        <p:nvCxnSpPr>
-          <p:cNvPr id="14" name="Gerade Verbindung mit Pfeil 13">
-            <a:extLst>
-              <a:ext uri="{FF2B5EF4-FFF2-40B4-BE49-F238E27FC236}">
-                <a16:creationId xmlns:a16="http://schemas.microsoft.com/office/drawing/2014/main" id="{CFFBDF1B-C3CC-4E10-A39E-76B8E032AE87}"/>
-              </a:ext>
-            </a:extLst>
-          </p:cNvPr>
-          <p:cNvCxnSpPr>
-            <a:cxnSpLocks/>
-          </p:cNvCxnSpPr>
-          <p:nvPr/>
-        </p:nvCxnSpPr>
-        <p:spPr>
-          <a:xfrm flipH="1">
-            <a:off x="3719072" y="5207213"/>
-            <a:ext cx="2213002" cy="0"/>
-          </a:xfrm>
-          <a:prstGeom prst="straightConnector1">
-            <a:avLst/>
-          </a:prstGeom>
-          <a:ln>
-            <a:tailEnd type="triangle"/>
-          </a:ln>
-        </p:spPr>
-        <p:style>
-          <a:lnRef idx="1">
-            <a:schemeClr val="accent1"/>
-          </a:lnRef>
-          <a:fillRef idx="0">
-            <a:schemeClr val="accent1"/>
-          </a:fillRef>
-          <a:effectRef idx="0">
-            <a:schemeClr val="accent1"/>
-          </a:effectRef>
-          <a:fontRef idx="minor">
-            <a:schemeClr val="tx1"/>
-          </a:fontRef>
-        </p:style>
-      </p:cxnSp>
-      <p:sp>
-        <p:nvSpPr>
-          <p:cNvPr id="15" name="Textfeld 14">
-            <a:extLst>
-              <a:ext uri="{FF2B5EF4-FFF2-40B4-BE49-F238E27FC236}">
-                <a16:creationId xmlns:a16="http://schemas.microsoft.com/office/drawing/2014/main" id="{E2E9E5D5-BEE2-447A-AB49-1D22A4D0BB33}"/>
-              </a:ext>
-            </a:extLst>
-          </p:cNvPr>
-          <p:cNvSpPr txBox="1"/>
-          <p:nvPr/>
-        </p:nvSpPr>
-        <p:spPr>
-          <a:xfrm>
-            <a:off x="4241587" y="2650992"/>
-            <a:ext cx="1191352" cy="369332"/>
-          </a:xfrm>
-          <a:prstGeom prst="rect">
-            <a:avLst/>
-          </a:prstGeom>
-          <a:noFill/>
-        </p:spPr>
-        <p:txBody>
-          <a:bodyPr wrap="none" rtlCol="0">
-            <a:spAutoFit/>
-          </a:bodyPr>
-          <a:lstStyle/>
-          <a:p>
-            <a:r>
-              <a:rPr lang="de-DE" dirty="0"/>
-              <a:t>Umfragen</a:t>
-            </a:r>
-          </a:p>
-        </p:txBody>
-      </p:sp>
-      <p:sp>
-        <p:nvSpPr>
-          <p:cNvPr id="16" name="Textfeld 15">
-            <a:extLst>
-              <a:ext uri="{FF2B5EF4-FFF2-40B4-BE49-F238E27FC236}">
-                <a16:creationId xmlns:a16="http://schemas.microsoft.com/office/drawing/2014/main" id="{9A60510E-B2E8-4FCD-87FB-97A75AD5C6EE}"/>
-              </a:ext>
-            </a:extLst>
-          </p:cNvPr>
-          <p:cNvSpPr txBox="1"/>
-          <p:nvPr/>
-        </p:nvSpPr>
-        <p:spPr>
-          <a:xfrm>
-            <a:off x="4126326" y="4833257"/>
-            <a:ext cx="886781" cy="369332"/>
-          </a:xfrm>
-          <a:prstGeom prst="rect">
-            <a:avLst/>
-          </a:prstGeom>
-          <a:noFill/>
-        </p:spPr>
-        <p:txBody>
-          <a:bodyPr wrap="none" rtlCol="0">
-            <a:spAutoFit/>
-          </a:bodyPr>
-          <a:lstStyle/>
-          <a:p>
-            <a:r>
-              <a:rPr lang="de-DE" dirty="0"/>
-              <a:t>Fragen</a:t>
-            </a:r>
-          </a:p>
-        </p:txBody>
-      </p:sp>
-    </p:spTree>
-    <p:extLst>
-      <p:ext uri="{BB962C8B-B14F-4D97-AF65-F5344CB8AC3E}">
-        <p14:creationId xmlns:p14="http://schemas.microsoft.com/office/powerpoint/2010/main" val="3860488866"/>
-      </p:ext>
-    </p:extLst>
-  </p:cSld>
-  <p:clrMapOvr>
-    <a:masterClrMapping/>
-  </p:clrMapOvr>
-</p:sld>
-</file>
-
-<file path=ppt/slides/slide4.xml><?xml version="1.0" encoding="utf-8"?>
-<p:sld xmlns:a="http://schemas.openxmlformats.org/drawingml/2006/main" xmlns:r="http://schemas.openxmlformats.org/officeDocument/2006/relationships" xmlns:p="http://schemas.openxmlformats.org/presentationml/2006/main">
-  <p:cSld>
-    <p:spTree>
-      <p:nvGrpSpPr>
-        <p:cNvPr id="1" name=""/>
-        <p:cNvGrpSpPr/>
-        <p:nvPr/>
-      </p:nvGrpSpPr>
-      <p:grpSpPr>
-        <a:xfrm>
-          <a:off x="0" y="0"/>
-          <a:ext cx="0" cy="0"/>
-          <a:chOff x="0" y="0"/>
-          <a:chExt cx="0" cy="0"/>
-        </a:xfrm>
-      </p:grpSpPr>
-      <p:sp>
-        <p:nvSpPr>
-          <p:cNvPr id="2" name="Titel 1">
-            <a:extLst>
-              <a:ext uri="{FF2B5EF4-FFF2-40B4-BE49-F238E27FC236}">
-                <a16:creationId xmlns:a16="http://schemas.microsoft.com/office/drawing/2014/main" id="{3A9BD016-1209-4738-928A-A0B48C66847A}"/>
-              </a:ext>
-            </a:extLst>
-          </p:cNvPr>
-          <p:cNvSpPr>
-            <a:spLocks noGrp="1"/>
-          </p:cNvSpPr>
-          <p:nvPr>
-            <p:ph type="title"/>
-          </p:nvPr>
-        </p:nvSpPr>
-        <p:spPr/>
-        <p:txBody>
-          <a:bodyPr/>
-          <a:lstStyle/>
-          <a:p>
-            <a:r>
-              <a:rPr lang="de-DE" dirty="0"/>
-              <a:t>User </a:t>
-            </a:r>
-            <a:r>
-              <a:rPr lang="de-DE" dirty="0" err="1"/>
-              <a:t>target</a:t>
-            </a:r>
-            <a:r>
-              <a:rPr lang="de-DE" dirty="0"/>
-              <a:t> </a:t>
-            </a:r>
-            <a:r>
-              <a:rPr lang="de-DE" dirty="0" err="1"/>
-              <a:t>group</a:t>
-            </a:r>
-            <a:endParaRPr lang="de-DE" dirty="0"/>
-          </a:p>
-        </p:txBody>
-      </p:sp>
-      <p:sp>
-        <p:nvSpPr>
-          <p:cNvPr id="5" name="Inhaltsplatzhalter 4">
-            <a:extLst>
-              <a:ext uri="{FF2B5EF4-FFF2-40B4-BE49-F238E27FC236}">
-                <a16:creationId xmlns:a16="http://schemas.microsoft.com/office/drawing/2014/main" id="{F9FF610B-6658-4B10-B81D-56A8B2163767}"/>
-              </a:ext>
-            </a:extLst>
-          </p:cNvPr>
-          <p:cNvSpPr>
-            <a:spLocks noGrp="1"/>
-          </p:cNvSpPr>
-          <p:nvPr>
-            <p:ph idx="1"/>
-          </p:nvPr>
-        </p:nvSpPr>
-        <p:spPr/>
-        <p:txBody>
-          <a:bodyPr/>
-          <a:lstStyle/>
-          <a:p>
-            <a:endParaRPr lang="de-DE"/>
-          </a:p>
-        </p:txBody>
-      </p:sp>
-    </p:spTree>
-    <p:extLst>
-      <p:ext uri="{BB962C8B-B14F-4D97-AF65-F5344CB8AC3E}">
-        <p14:creationId xmlns:p14="http://schemas.microsoft.com/office/powerpoint/2010/main" val="424609146"/>
-      </p:ext>
-    </p:extLst>
-  </p:cSld>
-  <p:clrMapOvr>
-    <a:masterClrMapping/>
-  </p:clrMapOvr>
-</p:sld>
-</file>
-
-<file path=ppt/slides/slide5.xml><?xml version="1.0" encoding="utf-8"?>
 <p:sld xmlns:a="http://schemas.openxmlformats.org/drawingml/2006/main" xmlns:r="http://schemas.openxmlformats.org/officeDocument/2006/relationships" xmlns:p="http://schemas.openxmlformats.org/presentationml/2006/main">
   <p:cSld>
     <p:spTree>
@@ -18783,7 +18311,7 @@
 </p:sld>
 </file>
 
-<file path=ppt/slides/slide6.xml><?xml version="1.0" encoding="utf-8"?>
+<file path=ppt/slides/slide4.xml><?xml version="1.0" encoding="utf-8"?>
 <p:sld xmlns:a="http://schemas.openxmlformats.org/drawingml/2006/main" xmlns:r="http://schemas.openxmlformats.org/officeDocument/2006/relationships" xmlns:p="http://schemas.openxmlformats.org/presentationml/2006/main">
   <p:cSld>
     <p:spTree>
@@ -18918,7 +18446,7 @@
 </p:sld>
 </file>
 
-<file path=ppt/slides/slide7.xml><?xml version="1.0" encoding="utf-8"?>
+<file path=ppt/slides/slide5.xml><?xml version="1.0" encoding="utf-8"?>
 <p:sld xmlns:a="http://schemas.openxmlformats.org/drawingml/2006/main" xmlns:r="http://schemas.openxmlformats.org/officeDocument/2006/relationships" xmlns:p="http://schemas.openxmlformats.org/presentationml/2006/main">
   <p:cSld>
     <p:spTree>
@@ -19053,7 +18581,7 @@
 </p:sld>
 </file>
 
-<file path=ppt/slides/slide8.xml><?xml version="1.0" encoding="utf-8"?>
+<file path=ppt/slides/slide6.xml><?xml version="1.0" encoding="utf-8"?>
 <p:sld xmlns:a="http://schemas.openxmlformats.org/drawingml/2006/main" xmlns:r="http://schemas.openxmlformats.org/officeDocument/2006/relationships" xmlns:p="http://schemas.openxmlformats.org/presentationml/2006/main">
   <p:cSld>
     <p:spTree>
@@ -19088,10 +18616,15 @@
         </p:nvSpPr>
         <p:spPr/>
         <p:txBody>
-          <a:bodyPr/>
+          <a:bodyPr>
+            <a:normAutofit/>
+          </a:bodyPr>
           <a:lstStyle/>
           <a:p>
-            <a:endParaRPr lang="de-DE" dirty="0"/>
+            <a:r>
+              <a:rPr lang="de-DE" sz="4400" dirty="0"/>
+              <a:t>Live Demo</a:t>
+            </a:r>
           </a:p>
         </p:txBody>
       </p:sp>
@@ -19116,7 +18649,7 @@
           <a:bodyPr/>
           <a:lstStyle/>
           <a:p>
-            <a:endParaRPr lang="de-DE"/>
+            <a:endParaRPr lang="de-DE" dirty="0"/>
           </a:p>
         </p:txBody>
       </p:sp>
